--- a/Milestone 2/ENSE 470 Milestone 2.pptx
+++ b/Milestone 2/ENSE 470 Milestone 2.pptx
@@ -7,7 +7,7 @@
   <p:sldIdLst>
     <p:sldId id="256" r:id="rId2"/>
     <p:sldId id="257" r:id="rId3"/>
-    <p:sldId id="260" r:id="rId4"/>
+    <p:sldId id="265" r:id="rId4"/>
     <p:sldId id="261" r:id="rId5"/>
     <p:sldId id="262" r:id="rId6"/>
     <p:sldId id="263" r:id="rId7"/>
@@ -114,7 +114,7 @@
   </p:defaultTextStyle>
   <p:extLst>
     <p:ext uri="{EFAFB233-063F-42B5-8137-9DF3F51BA10A}">
-      <p15:sldGuideLst xmlns="" xmlns:p15="http://schemas.microsoft.com/office/powerpoint/2012/main"/>
+      <p15:sldGuideLst xmlns:p15="http://schemas.microsoft.com/office/powerpoint/2012/main" xmlns=""/>
     </p:ext>
   </p:extLst>
 </p:presentation>
@@ -6208,13 +6208,7 @@
               <a:rPr lang="en-US" dirty="0" smtClean="0">
                 <a:cs typeface="Calibri"/>
               </a:rPr>
-              <a:t>25</a:t>
-            </a:r>
-            <a:r>
-              <a:rPr lang="en-US" dirty="0" smtClean="0">
-                <a:cs typeface="Calibri"/>
-              </a:rPr>
-              <a:t>th </a:t>
+              <a:t>25th </a:t>
             </a:r>
             <a:r>
               <a:rPr lang="en-US" dirty="0">
@@ -6260,7 +6254,7 @@
           <p:cNvPr id="2" name="Title 1">
             <a:extLst>
               <a:ext uri="{FF2B5EF4-FFF2-40B4-BE49-F238E27FC236}">
-                <a16:creationId xmlns="" xmlns:a16="http://schemas.microsoft.com/office/drawing/2014/main" id="{ED90C933-1DEC-4FE2-870E-CDD2DF937983}"/>
+                <a16:creationId xmlns:a16="http://schemas.microsoft.com/office/drawing/2014/main" xmlns="" id="{ED90C933-1DEC-4FE2-870E-CDD2DF937983}"/>
               </a:ext>
             </a:extLst>
           </p:cNvPr>
@@ -6289,7 +6283,7 @@
           <p:cNvPr id="3" name="Content Placeholder 2">
             <a:extLst>
               <a:ext uri="{FF2B5EF4-FFF2-40B4-BE49-F238E27FC236}">
-                <a16:creationId xmlns="" xmlns:a16="http://schemas.microsoft.com/office/drawing/2014/main" id="{66A6B280-B7A3-4264-B1B7-02CC4A531183}"/>
+                <a16:creationId xmlns:a16="http://schemas.microsoft.com/office/drawing/2014/main" xmlns="" id="{66A6B280-B7A3-4264-B1B7-02CC4A531183}"/>
               </a:ext>
             </a:extLst>
           </p:cNvPr>
@@ -6395,29 +6389,72 @@
           </a:p>
         </p:txBody>
       </p:sp>
-      <p:sp>
-        <p:nvSpPr>
-          <p:cNvPr id="3" name="Content Placeholder 2"/>
-          <p:cNvSpPr>
-            <a:spLocks noGrp="1"/>
-          </p:cNvSpPr>
-          <p:nvPr>
-            <p:ph idx="1"/>
-          </p:nvPr>
-        </p:nvSpPr>
-        <p:spPr/>
-        <p:txBody>
-          <a:bodyPr/>
-          <a:lstStyle/>
-          <a:p>
-            <a:endParaRPr lang="en-US"/>
-          </a:p>
-        </p:txBody>
-      </p:sp>
+      <p:pic>
+        <p:nvPicPr>
+          <p:cNvPr id="1026" name="Picture 2"/>
+          <p:cNvPicPr>
+            <a:picLocks noChangeAspect="1" noChangeArrowheads="1"/>
+          </p:cNvPicPr>
+          <p:nvPr/>
+        </p:nvPicPr>
+        <p:blipFill rotWithShape="1">
+          <a:blip r:embed="rId2" cstate="print">
+            <a:extLst>
+              <a:ext uri="{28A0092B-C50C-407E-A947-70E740481C1C}">
+                <a14:useLocalDpi xmlns:a14="http://schemas.microsoft.com/office/drawing/2010/main" val="0"/>
+              </a:ext>
+            </a:extLst>
+          </a:blip>
+          <a:srcRect l="7249" t="7500" r="12731" b="16849"/>
+          <a:stretch/>
+        </p:blipFill>
+        <p:spPr bwMode="auto">
+          <a:xfrm>
+            <a:off x="2269669" y="0"/>
+            <a:ext cx="9922331" cy="6858000"/>
+          </a:xfrm>
+          <a:prstGeom prst="rect">
+            <a:avLst/>
+          </a:prstGeom>
+          <a:noFill/>
+          <a:ln>
+            <a:noFill/>
+          </a:ln>
+          <a:effectLst/>
+          <a:extLst>
+            <a:ext uri="{909E8E84-426E-40DD-AFC4-6F175D3DCCD1}">
+              <a14:hiddenFill xmlns:a14="http://schemas.microsoft.com/office/drawing/2010/main">
+                <a:solidFill>
+                  <a:schemeClr val="accent1"/>
+                </a:solidFill>
+              </a14:hiddenFill>
+            </a:ext>
+            <a:ext uri="{91240B29-F687-4F45-9708-019B960494DF}">
+              <a14:hiddenLine xmlns:a14="http://schemas.microsoft.com/office/drawing/2010/main" w="9525">
+                <a:solidFill>
+                  <a:schemeClr val="tx1"/>
+                </a:solidFill>
+                <a:miter lim="800000"/>
+                <a:headEnd/>
+                <a:tailEnd/>
+              </a14:hiddenLine>
+            </a:ext>
+            <a:ext uri="{AF507438-7753-43E0-B8FC-AC1667EBCBE1}">
+              <a14:hiddenEffects xmlns:a14="http://schemas.microsoft.com/office/drawing/2010/main">
+                <a:effectLst>
+                  <a:outerShdw dist="35921" dir="2700000" algn="ctr" rotWithShape="0">
+                    <a:schemeClr val="bg2"/>
+                  </a:outerShdw>
+                </a:effectLst>
+              </a14:hiddenEffects>
+            </a:ext>
+          </a:extLst>
+        </p:spPr>
+      </p:pic>
     </p:spTree>
     <p:extLst>
       <p:ext uri="{BB962C8B-B14F-4D97-AF65-F5344CB8AC3E}">
-        <p14:creationId xmlns:p14="http://schemas.microsoft.com/office/powerpoint/2010/main" val="2971124076"/>
+        <p14:creationId xmlns:p14="http://schemas.microsoft.com/office/powerpoint/2010/main" val="2261479088"/>
       </p:ext>
     </p:extLst>
   </p:cSld>
@@ -6446,40 +6483,31 @@
       </p:grpSpPr>
       <p:sp>
         <p:nvSpPr>
-          <p:cNvPr id="2" name="Title 1"/>
-          <p:cNvSpPr>
-            <a:spLocks noGrp="1"/>
-          </p:cNvSpPr>
-          <p:nvPr>
-            <p:ph type="title"/>
-          </p:nvPr>
-        </p:nvSpPr>
-        <p:spPr>
-          <a:xfrm>
-            <a:off x="2173287" y="0"/>
-            <a:ext cx="10018713" cy="1752599"/>
-          </a:xfrm>
-        </p:spPr>
+          <p:cNvPr id="3" name="Content Placeholder 2"/>
+          <p:cNvSpPr>
+            <a:spLocks noGrp="1"/>
+          </p:cNvSpPr>
+          <p:nvPr>
+            <p:ph idx="1"/>
+          </p:nvPr>
+        </p:nvSpPr>
+        <p:spPr/>
         <p:txBody>
           <a:bodyPr/>
           <a:lstStyle/>
           <a:p>
-            <a:r>
-              <a:rPr lang="en-US" dirty="0" smtClean="0"/>
-              <a:t>Idea Sheets</a:t>
-            </a:r>
-            <a:endParaRPr lang="en-US" dirty="0"/>
-          </a:p>
-        </p:txBody>
-      </p:sp>
-      <p:sp>
-        <p:nvSpPr>
-          <p:cNvPr id="3" name="Content Placeholder 2"/>
-          <p:cNvSpPr>
-            <a:spLocks noGrp="1"/>
-          </p:cNvSpPr>
-          <p:nvPr>
-            <p:ph idx="1"/>
+            <a:endParaRPr lang="en-US"/>
+          </a:p>
+        </p:txBody>
+      </p:sp>
+      <p:sp>
+        <p:nvSpPr>
+          <p:cNvPr id="4" name="Title 3"/>
+          <p:cNvSpPr>
+            <a:spLocks noGrp="1"/>
+          </p:cNvSpPr>
+          <p:nvPr>
+            <p:ph type="title"/>
           </p:nvPr>
         </p:nvSpPr>
         <p:spPr/>
@@ -6521,53 +6549,68 @@
           <a:chExt cx="0" cy="0"/>
         </a:xfrm>
       </p:grpSpPr>
-      <p:sp>
-        <p:nvSpPr>
-          <p:cNvPr id="2" name="Title 1"/>
-          <p:cNvSpPr>
-            <a:spLocks noGrp="1"/>
-          </p:cNvSpPr>
-          <p:nvPr>
-            <p:ph type="title"/>
-          </p:nvPr>
-        </p:nvSpPr>
-        <p:spPr>
+      <p:pic>
+        <p:nvPicPr>
+          <p:cNvPr id="2050" name="Picture 2"/>
+          <p:cNvPicPr>
+            <a:picLocks noChangeAspect="1" noChangeArrowheads="1"/>
+          </p:cNvPicPr>
+          <p:nvPr/>
+        </p:nvPicPr>
+        <p:blipFill rotWithShape="1">
+          <a:blip r:embed="rId2" cstate="print">
+            <a:extLst>
+              <a:ext uri="{28A0092B-C50C-407E-A947-70E740481C1C}">
+                <a14:useLocalDpi xmlns:a14="http://schemas.microsoft.com/office/drawing/2010/main" val="0"/>
+              </a:ext>
+            </a:extLst>
+          </a:blip>
+          <a:srcRect l="7160" t="8096" r="12997" b="16848"/>
+          <a:stretch/>
+        </p:blipFill>
+        <p:spPr bwMode="auto">
           <a:xfrm>
-            <a:off x="2173287" y="0"/>
-            <a:ext cx="10018713" cy="1752599"/>
+            <a:off x="2213135" y="0"/>
+            <a:ext cx="9978865" cy="6858000"/>
           </a:xfrm>
+          <a:prstGeom prst="rect">
+            <a:avLst/>
+          </a:prstGeom>
+          <a:noFill/>
+          <a:ln>
+            <a:noFill/>
+          </a:ln>
+          <a:effectLst/>
+          <a:extLst>
+            <a:ext uri="{909E8E84-426E-40DD-AFC4-6F175D3DCCD1}">
+              <a14:hiddenFill xmlns:a14="http://schemas.microsoft.com/office/drawing/2010/main">
+                <a:solidFill>
+                  <a:schemeClr val="accent1"/>
+                </a:solidFill>
+              </a14:hiddenFill>
+            </a:ext>
+            <a:ext uri="{91240B29-F687-4F45-9708-019B960494DF}">
+              <a14:hiddenLine xmlns:a14="http://schemas.microsoft.com/office/drawing/2010/main" w="9525">
+                <a:solidFill>
+                  <a:schemeClr val="tx1"/>
+                </a:solidFill>
+                <a:miter lim="800000"/>
+                <a:headEnd/>
+                <a:tailEnd/>
+              </a14:hiddenLine>
+            </a:ext>
+            <a:ext uri="{AF507438-7753-43E0-B8FC-AC1667EBCBE1}">
+              <a14:hiddenEffects xmlns:a14="http://schemas.microsoft.com/office/drawing/2010/main">
+                <a:effectLst>
+                  <a:outerShdw dist="35921" dir="2700000" algn="ctr" rotWithShape="0">
+                    <a:schemeClr val="bg2"/>
+                  </a:outerShdw>
+                </a:effectLst>
+              </a14:hiddenEffects>
+            </a:ext>
+          </a:extLst>
         </p:spPr>
-        <p:txBody>
-          <a:bodyPr/>
-          <a:lstStyle/>
-          <a:p>
-            <a:r>
-              <a:rPr lang="en-US" dirty="0" smtClean="0"/>
-              <a:t>Idea Sheets</a:t>
-            </a:r>
-            <a:endParaRPr lang="en-US" dirty="0"/>
-          </a:p>
-        </p:txBody>
-      </p:sp>
-      <p:sp>
-        <p:nvSpPr>
-          <p:cNvPr id="3" name="Content Placeholder 2"/>
-          <p:cNvSpPr>
-            <a:spLocks noGrp="1"/>
-          </p:cNvSpPr>
-          <p:nvPr>
-            <p:ph idx="1"/>
-          </p:nvPr>
-        </p:nvSpPr>
-        <p:spPr/>
-        <p:txBody>
-          <a:bodyPr/>
-          <a:lstStyle/>
-          <a:p>
-            <a:endParaRPr lang="en-US"/>
-          </a:p>
-        </p:txBody>
-      </p:sp>
+      </p:pic>
     </p:spTree>
     <p:extLst>
       <p:ext uri="{BB962C8B-B14F-4D97-AF65-F5344CB8AC3E}">
@@ -6757,7 +6800,7 @@
           <p:cNvPr id="2" name="TextBox 1">
             <a:extLst>
               <a:ext uri="{FF2B5EF4-FFF2-40B4-BE49-F238E27FC236}">
-                <a16:creationId xmlns="" xmlns:a16="http://schemas.microsoft.com/office/drawing/2014/main" id="{87358371-9CB6-4908-921E-87A6E1D86558}"/>
+                <a16:creationId xmlns:a16="http://schemas.microsoft.com/office/drawing/2014/main" xmlns="" id="{87358371-9CB6-4908-921E-87A6E1D86558}"/>
               </a:ext>
             </a:extLst>
           </p:cNvPr>
@@ -6893,7 +6936,7 @@
           <p:cNvPr id="2" name="Title 1">
             <a:extLst>
               <a:ext uri="{FF2B5EF4-FFF2-40B4-BE49-F238E27FC236}">
-                <a16:creationId xmlns="" xmlns:a16="http://schemas.microsoft.com/office/drawing/2014/main" id="{E72D8A36-D704-4EA1-B09E-9B42AF720A08}"/>
+                <a16:creationId xmlns:a16="http://schemas.microsoft.com/office/drawing/2014/main" xmlns="" id="{E72D8A36-D704-4EA1-B09E-9B42AF720A08}"/>
               </a:ext>
             </a:extLst>
           </p:cNvPr>
@@ -6928,7 +6971,7 @@
           <p:cNvPr id="3" name="Content Placeholder 2">
             <a:extLst>
               <a:ext uri="{FF2B5EF4-FFF2-40B4-BE49-F238E27FC236}">
-                <a16:creationId xmlns="" xmlns:a16="http://schemas.microsoft.com/office/drawing/2014/main" id="{3F05A25F-6FB3-41EF-908D-8EB4A4EF4877}"/>
+                <a16:creationId xmlns:a16="http://schemas.microsoft.com/office/drawing/2014/main" xmlns="" id="{3F05A25F-6FB3-41EF-908D-8EB4A4EF4877}"/>
               </a:ext>
             </a:extLst>
           </p:cNvPr>
@@ -7342,7 +7385,7 @@
   <a:extraClrSchemeLst/>
   <a:extLst>
     <a:ext uri="{05A4C25C-085E-4340-85A3-A5531E510DB2}">
-      <thm15:themeFamily xmlns="" xmlns:thm15="http://schemas.microsoft.com/office/thememl/2012/main" name="Parallax" id="{3388167B-A2EB-4685-9635-1831D9AEF8C4}" vid="{4F7A876A-7598-49CA-AFC8-8EDA2551E4A7}"/>
+      <thm15:themeFamily xmlns:thm15="http://schemas.microsoft.com/office/thememl/2012/main" xmlns="" name="Parallax" id="{3388167B-A2EB-4685-9635-1831D9AEF8C4}" vid="{4F7A876A-7598-49CA-AFC8-8EDA2551E4A7}"/>
     </a:ext>
   </a:extLst>
 </a:theme>
